--- a/solid-design.pptx
+++ b/solid-design.pptx
@@ -226,10 +226,6 @@
 </p:cmAuthorLst>
 </file>
 
-<file path=ppt/revisionInfo.xml><?xml version="1.0" encoding="utf-8"?>
-<p1510:revInfo xmlns:a="http://schemas.openxmlformats.org/drawingml/2006/main" xmlns:r="http://schemas.openxmlformats.org/officeDocument/2006/relationships" xmlns:p1510="http://schemas.microsoft.com/office/powerpoint/2015/10/main"/>
-</file>
-
 <file path=ppt/notesMasters/notesMaster1.xml><?xml version="1.0" encoding="utf-8"?>
 <p:notesMaster xmlns:a="http://schemas.openxmlformats.org/drawingml/2006/main" xmlns:r="http://schemas.openxmlformats.org/officeDocument/2006/relationships" xmlns:p="http://schemas.openxmlformats.org/presentationml/2006/main">
   <p:cSld>
@@ -312,7 +308,7 @@
           <a:p>
             <a:fld id="{1D12B38D-150E-44F0-AD67-CE4A0E7D73CD}" type="datetimeFigureOut">
               <a:rPr lang="ru-RU" smtClean="0"/>
-              <a:t>25.05.2017</a:t>
+              <a:t>16.04.2018</a:t>
             </a:fld>
             <a:endParaRPr lang="ru-RU"/>
           </a:p>
@@ -1195,7 +1191,7 @@
           <a:p>
             <a:fld id="{03713669-593F-460C-B61F-C43E6BD11A61}" type="datetimeFigureOut">
               <a:rPr lang="ru-RU" smtClean="0"/>
-              <a:t>25.05.2017</a:t>
+              <a:t>16.04.2018</a:t>
             </a:fld>
             <a:endParaRPr lang="ru-RU"/>
           </a:p>
@@ -1365,7 +1361,7 @@
           <a:p>
             <a:fld id="{03713669-593F-460C-B61F-C43E6BD11A61}" type="datetimeFigureOut">
               <a:rPr lang="ru-RU" smtClean="0"/>
-              <a:t>25.05.2017</a:t>
+              <a:t>16.04.2018</a:t>
             </a:fld>
             <a:endParaRPr lang="ru-RU"/>
           </a:p>
@@ -1545,7 +1541,7 @@
           <a:p>
             <a:fld id="{03713669-593F-460C-B61F-C43E6BD11A61}" type="datetimeFigureOut">
               <a:rPr lang="ru-RU" smtClean="0"/>
-              <a:t>25.05.2017</a:t>
+              <a:t>16.04.2018</a:t>
             </a:fld>
             <a:endParaRPr lang="ru-RU"/>
           </a:p>
@@ -1715,7 +1711,7 @@
           <a:p>
             <a:fld id="{03713669-593F-460C-B61F-C43E6BD11A61}" type="datetimeFigureOut">
               <a:rPr lang="ru-RU" smtClean="0"/>
-              <a:t>25.05.2017</a:t>
+              <a:t>16.04.2018</a:t>
             </a:fld>
             <a:endParaRPr lang="ru-RU"/>
           </a:p>
@@ -1959,7 +1955,7 @@
           <a:p>
             <a:fld id="{03713669-593F-460C-B61F-C43E6BD11A61}" type="datetimeFigureOut">
               <a:rPr lang="ru-RU" smtClean="0"/>
-              <a:t>25.05.2017</a:t>
+              <a:t>16.04.2018</a:t>
             </a:fld>
             <a:endParaRPr lang="ru-RU"/>
           </a:p>
@@ -2191,7 +2187,7 @@
           <a:p>
             <a:fld id="{03713669-593F-460C-B61F-C43E6BD11A61}" type="datetimeFigureOut">
               <a:rPr lang="ru-RU" smtClean="0"/>
-              <a:t>25.05.2017</a:t>
+              <a:t>16.04.2018</a:t>
             </a:fld>
             <a:endParaRPr lang="ru-RU"/>
           </a:p>
@@ -2558,7 +2554,7 @@
           <a:p>
             <a:fld id="{03713669-593F-460C-B61F-C43E6BD11A61}" type="datetimeFigureOut">
               <a:rPr lang="ru-RU" smtClean="0"/>
-              <a:t>25.05.2017</a:t>
+              <a:t>16.04.2018</a:t>
             </a:fld>
             <a:endParaRPr lang="ru-RU"/>
           </a:p>
@@ -2676,7 +2672,7 @@
           <a:p>
             <a:fld id="{03713669-593F-460C-B61F-C43E6BD11A61}" type="datetimeFigureOut">
               <a:rPr lang="ru-RU" smtClean="0"/>
-              <a:t>25.05.2017</a:t>
+              <a:t>16.04.2018</a:t>
             </a:fld>
             <a:endParaRPr lang="ru-RU"/>
           </a:p>
@@ -2771,7 +2767,7 @@
           <a:p>
             <a:fld id="{03713669-593F-460C-B61F-C43E6BD11A61}" type="datetimeFigureOut">
               <a:rPr lang="ru-RU" smtClean="0"/>
-              <a:t>25.05.2017</a:t>
+              <a:t>16.04.2018</a:t>
             </a:fld>
             <a:endParaRPr lang="ru-RU"/>
           </a:p>
@@ -3048,7 +3044,7 @@
           <a:p>
             <a:fld id="{03713669-593F-460C-B61F-C43E6BD11A61}" type="datetimeFigureOut">
               <a:rPr lang="ru-RU" smtClean="0"/>
-              <a:t>25.05.2017</a:t>
+              <a:t>16.04.2018</a:t>
             </a:fld>
             <a:endParaRPr lang="ru-RU"/>
           </a:p>
@@ -3305,7 +3301,7 @@
           <a:p>
             <a:fld id="{03713669-593F-460C-B61F-C43E6BD11A61}" type="datetimeFigureOut">
               <a:rPr lang="ru-RU" smtClean="0"/>
-              <a:t>25.05.2017</a:t>
+              <a:t>16.04.2018</a:t>
             </a:fld>
             <a:endParaRPr lang="ru-RU"/>
           </a:p>
@@ -3518,7 +3514,7 @@
           <a:p>
             <a:fld id="{03713669-593F-460C-B61F-C43E6BD11A61}" type="datetimeFigureOut">
               <a:rPr lang="ru-RU" smtClean="0"/>
-              <a:t>25.05.2017</a:t>
+              <a:t>16.04.2018</a:t>
             </a:fld>
             <a:endParaRPr lang="ru-RU"/>
           </a:p>
@@ -3976,7 +3972,25 @@
               <a:rPr lang="en-US" sz="2800" dirty="0">
                 <a:hlinkClick r:id="rId2"/>
               </a:rPr>
-              <a:t>https://github.com/kontur-csharper/</a:t>
+              <a:t>https://github.</a:t>
+            </a:r>
+            <a:r>
+              <a:rPr lang="en-US" sz="2800">
+                <a:hlinkClick r:id="rId2"/>
+              </a:rPr>
+              <a:t>com/</a:t>
+            </a:r>
+            <a:r>
+              <a:rPr lang="en-US" sz="2800">
+                <a:hlinkClick r:id="rId3"/>
+              </a:rPr>
+              <a:t>kontur-courses</a:t>
+            </a:r>
+            <a:r>
+              <a:rPr lang="en-US" sz="2800" dirty="0">
+                <a:hlinkClick r:id="rId2"/>
+              </a:rPr>
+              <a:t>/</a:t>
             </a:r>
             <a:r>
               <a:rPr lang="en-US" sz="2800" b="1" dirty="0">
